--- a/허종원/Token/Msg구조.pptx
+++ b/허종원/Token/Msg구조.pptx
@@ -108,6 +108,11 @@
       </a:defRPr>
     </a:lvl9pPr>
   </p:defaultTextStyle>
+  <p:extLst>
+    <p:ext uri="{EFAFB233-063F-42B5-8137-9DF3F51BA10A}">
+      <p15:sldGuideLst xmlns:p15="http://schemas.microsoft.com/office/powerpoint/2012/main"/>
+    </p:ext>
+  </p:extLst>
 </p:presentation>
 </file>
 
@@ -4009,8 +4014,8 @@
         </p:nvSpPr>
         <p:spPr>
           <a:xfrm>
-            <a:off x="3887553" y="2046513"/>
-            <a:ext cx="470000" cy="307777"/>
+            <a:off x="3887553" y="1938792"/>
+            <a:ext cx="470000" cy="523220"/>
           </a:xfrm>
           <a:prstGeom prst="rect">
             <a:avLst/>
@@ -4028,6 +4033,13 @@
               <a:rPr kumimoji="1" lang="en-US" altLang="ko-KR" sz="1400" dirty="0"/>
               <a:t>Get</a:t>
             </a:r>
+            <a:br>
+              <a:rPr kumimoji="1" lang="en-US" altLang="ko-KR" sz="1400" dirty="0"/>
+            </a:br>
+            <a:r>
+              <a:rPr kumimoji="1" lang="en-US" altLang="ko-KR" sz="1400" dirty="0"/>
+              <a:t>Set</a:t>
+            </a:r>
             <a:endParaRPr kumimoji="1" lang="ko-KR" altLang="en-US" sz="1400" dirty="0"/>
           </a:p>
         </p:txBody>
@@ -4194,8 +4206,8 @@
         </p:nvSpPr>
         <p:spPr>
           <a:xfrm>
-            <a:off x="3786564" y="2659685"/>
-            <a:ext cx="671979" cy="307777"/>
+            <a:off x="3582921" y="2551964"/>
+            <a:ext cx="1079271" cy="523220"/>
           </a:xfrm>
           <a:prstGeom prst="rect">
             <a:avLst/>
@@ -4213,6 +4225,13 @@
               <a:rPr kumimoji="1" lang="en" altLang="ko-KR" sz="1400" dirty="0"/>
               <a:t>Comp</a:t>
             </a:r>
+            <a:br>
+              <a:rPr kumimoji="1" lang="en" altLang="ko-KR" sz="1400" dirty="0"/>
+            </a:br>
+            <a:r>
+              <a:rPr kumimoji="1" lang="en-US" altLang="ko-KR" sz="1400" dirty="0"/>
+              <a:t>(Complete)</a:t>
+            </a:r>
             <a:endParaRPr kumimoji="1" lang="ko-KR" altLang="en-US" sz="1400" dirty="0"/>
           </a:p>
         </p:txBody>
@@ -4379,8 +4398,8 @@
         </p:nvSpPr>
         <p:spPr>
           <a:xfrm>
-            <a:off x="3876652" y="3272857"/>
-            <a:ext cx="491802" cy="307777"/>
+            <a:off x="3651431" y="3165136"/>
+            <a:ext cx="942246" cy="523220"/>
           </a:xfrm>
           <a:prstGeom prst="rect">
             <a:avLst/>
@@ -4398,6 +4417,13 @@
               <a:rPr kumimoji="1" lang="en" altLang="ko-KR" sz="1400" dirty="0"/>
               <a:t>Req</a:t>
             </a:r>
+            <a:br>
+              <a:rPr kumimoji="1" lang="en" altLang="ko-KR" sz="1400" dirty="0"/>
+            </a:br>
+            <a:r>
+              <a:rPr kumimoji="1" lang="en" altLang="ko-KR" sz="1400" dirty="0"/>
+              <a:t>(Request)</a:t>
+            </a:r>
             <a:endParaRPr kumimoji="1" lang="ko-KR" altLang="en-US" sz="1400" dirty="0"/>
           </a:p>
         </p:txBody>
@@ -4527,8 +4553,8 @@
         </p:nvSpPr>
         <p:spPr>
           <a:xfrm>
-            <a:off x="3887553" y="3886029"/>
-            <a:ext cx="470000" cy="307777"/>
+            <a:off x="3702311" y="3778308"/>
+            <a:ext cx="840486" cy="523220"/>
           </a:xfrm>
           <a:prstGeom prst="rect">
             <a:avLst/>
@@ -4545,6 +4571,13 @@
             <a:r>
               <a:rPr kumimoji="1" lang="en" altLang="ko-KR" sz="1400" dirty="0" err="1"/>
               <a:t>Rpt</a:t>
+            </a:r>
+            <a:br>
+              <a:rPr kumimoji="1" lang="en" altLang="ko-KR" sz="1400" dirty="0"/>
+            </a:br>
+            <a:r>
+              <a:rPr kumimoji="1" lang="en" altLang="ko-KR" sz="1400" dirty="0"/>
+              <a:t>(Report)</a:t>
             </a:r>
             <a:endParaRPr kumimoji="1" lang="ko-KR" altLang="en-US" sz="1400" dirty="0"/>
           </a:p>
@@ -6624,8 +6657,8 @@
         </p:nvSpPr>
         <p:spPr>
           <a:xfrm>
-            <a:off x="9192965" y="5114883"/>
-            <a:ext cx="1419812" cy="954107"/>
+            <a:off x="9110827" y="5114883"/>
+            <a:ext cx="1584088" cy="954107"/>
           </a:xfrm>
           <a:prstGeom prst="rect">
             <a:avLst/>
@@ -6701,12 +6734,12 @@
               <a:t>InOutBotEqp</a:t>
             </a:r>
             <a:r>
-              <a:rPr kumimoji="1" lang="ko-KR" altLang="en-US" sz="1400" i="1" dirty="0">
+              <a:rPr kumimoji="1" lang="ko-KR" altLang="en-US" sz="1400" i="1" dirty="0" err="1">
                 <a:solidFill>
                   <a:srgbClr val="FF0000"/>
                 </a:solidFill>
               </a:rPr>
-              <a:t>로</a:t>
+              <a:t>으로</a:t>
             </a:r>
             <a:endParaRPr kumimoji="1" lang="en-US" altLang="ko-KR" sz="1400" i="1" dirty="0">
               <a:solidFill>
